--- a/ProjectPPT/KwonChangHyun_2차발표_완료.pptx
+++ b/ProjectPPT/KwonChangHyun_2차발표_완료.pptx
@@ -148,7 +148,7 @@
   </p:defaultTextStyle>
   <p:extLst>
     <p:ext uri="{EFAFB233-063F-42B5-8137-9DF3F51BA10A}">
-      <p15:sldGuideLst xmlns:p15="http://schemas.microsoft.com/office/powerpoint/2012/main" xmlns="">
+      <p15:sldGuideLst xmlns="" xmlns:p15="http://schemas.microsoft.com/office/powerpoint/2012/main">
         <p15:guide id="1" orient="horz" pos="2160">
           <p15:clr>
             <a:srgbClr val="A4A3A4"/>
@@ -15600,26 +15600,56 @@
       </p:sp>
       <p:pic>
         <p:nvPicPr>
-          <p:cNvPr id="2" name="그림 1"/>
+          <p:cNvPr id="1026" name="Picture 2"/>
           <p:cNvPicPr>
-            <a:picLocks noChangeAspect="1"/>
+            <a:picLocks noChangeAspect="1" noChangeArrowheads="1"/>
           </p:cNvPicPr>
           <p:nvPr/>
         </p:nvPicPr>
         <p:blipFill>
-          <a:blip r:embed="rId2"/>
+          <a:blip r:embed="rId2" cstate="email">
+            <a:extLst>
+              <a:ext uri="{28A0092B-C50C-407E-A947-70E740481C1C}">
+                <a14:useLocalDpi xmlns:a14="http://schemas.microsoft.com/office/drawing/2010/main" val="0"/>
+              </a:ext>
+            </a:extLst>
+          </a:blip>
+          <a:srcRect/>
           <a:stretch>
             <a:fillRect/>
           </a:stretch>
         </p:blipFill>
-        <p:spPr>
+        <p:spPr bwMode="auto">
           <a:xfrm>
             <a:off x="330872" y="838246"/>
-            <a:ext cx="8489600" cy="5574560"/>
+            <a:ext cx="8489600" cy="5543082"/>
           </a:xfrm>
           <a:prstGeom prst="rect">
             <a:avLst/>
           </a:prstGeom>
+          <a:noFill/>
+          <a:ln>
+            <a:noFill/>
+          </a:ln>
+          <a:extLst>
+            <a:ext uri="{909E8E84-426E-40DD-AFC4-6F175D3DCCD1}">
+              <a14:hiddenFill xmlns:a14="http://schemas.microsoft.com/office/drawing/2010/main">
+                <a:solidFill>
+                  <a:schemeClr val="accent1"/>
+                </a:solidFill>
+              </a14:hiddenFill>
+            </a:ext>
+            <a:ext uri="{91240B29-F687-4F45-9708-019B960494DF}">
+              <a14:hiddenLine xmlns:a14="http://schemas.microsoft.com/office/drawing/2010/main" w="9525">
+                <a:solidFill>
+                  <a:schemeClr val="tx1"/>
+                </a:solidFill>
+                <a:miter lim="800000"/>
+                <a:headEnd/>
+                <a:tailEnd/>
+              </a14:hiddenLine>
+            </a:ext>
+          </a:extLst>
         </p:spPr>
       </p:pic>
     </p:spTree>
@@ -17550,7 +17580,20 @@
                       <a:ea typeface="HY견고딕" panose="02030600000101010101" pitchFamily="18" charset="-127"/>
                       <a:cs typeface="Arial" panose="020B0604020202020204" pitchFamily="34" charset="0"/>
                     </a:rPr>
-                    <a:t>개발 일정</a:t>
+                    <a:t>개발 </a:t>
+                  </a:r>
+                  <a:r>
+                    <a:rPr kumimoji="0" lang="ko-KR" altLang="en-US" sz="1600" dirty="0" smtClean="0">
+                      <a:solidFill>
+                        <a:schemeClr val="tx1">
+                          <a:lumMod val="85000"/>
+                        </a:schemeClr>
+                      </a:solidFill>
+                      <a:latin typeface="HY견고딕" panose="02030600000101010101" pitchFamily="18" charset="-127"/>
+                      <a:ea typeface="HY견고딕" panose="02030600000101010101" pitchFamily="18" charset="-127"/>
+                      <a:cs typeface="Arial" panose="020B0604020202020204" pitchFamily="34" charset="0"/>
+                    </a:rPr>
+                    <a:t>계획 대비 현재 진행 상황</a:t>
                   </a:r>
                   <a:endParaRPr kumimoji="0" lang="ko-KR" altLang="ko-KR" sz="1600" dirty="0" smtClean="0">
                     <a:solidFill>
@@ -22366,11 +22409,7 @@
                       </a:r>
                       <a:r>
                         <a:rPr lang="en-US" altLang="ko-KR" sz="1400" b="1" dirty="0" smtClean="0"/>
-                        <a:t>(</a:t>
-                      </a:r>
-                      <a:r>
-                        <a:rPr lang="en-US" altLang="ko-KR" sz="1400" b="1" dirty="0" smtClean="0"/>
-                        <a:t>10/21)</a:t>
+                        <a:t>(10/21)</a:t>
                       </a:r>
                       <a:endParaRPr lang="ko-KR" altLang="en-US" sz="1400" b="1" dirty="0" smtClean="0"/>
                     </a:p>
@@ -22588,11 +22627,7 @@
                       </a:r>
                       <a:r>
                         <a:rPr lang="en-US" altLang="ko-KR" sz="1400" b="0" dirty="0" smtClean="0"/>
-                        <a:t>(</a:t>
-                      </a:r>
-                      <a:r>
-                        <a:rPr lang="en-US" altLang="ko-KR" sz="1400" b="0" dirty="0" smtClean="0"/>
-                        <a:t>10/28)</a:t>
+                        <a:t>(10/28)</a:t>
                       </a:r>
                       <a:endParaRPr lang="ko-KR" altLang="en-US" sz="1400" b="0" dirty="0" smtClean="0"/>
                     </a:p>
@@ -22782,11 +22817,7 @@
                       </a:r>
                       <a:r>
                         <a:rPr lang="en-US" altLang="ko-KR" sz="1400" b="0" dirty="0" smtClean="0"/>
-                        <a:t>(</a:t>
-                      </a:r>
-                      <a:r>
-                        <a:rPr lang="en-US" altLang="ko-KR" sz="1400" b="0" dirty="0" smtClean="0"/>
-                        <a:t>11/04)</a:t>
+                        <a:t>(11/04)</a:t>
                       </a:r>
                       <a:endParaRPr lang="ko-KR" altLang="en-US" sz="1400" b="0" dirty="0" smtClean="0"/>
                     </a:p>
@@ -22881,11 +22912,7 @@
                       </a:r>
                       <a:r>
                         <a:rPr lang="en-US" altLang="ko-KR" sz="1400" b="0" dirty="0" smtClean="0"/>
-                        <a:t>(</a:t>
-                      </a:r>
-                      <a:r>
-                        <a:rPr lang="en-US" altLang="ko-KR" sz="1400" b="0" dirty="0" smtClean="0"/>
-                        <a:t>11/11)</a:t>
+                        <a:t>(11/11)</a:t>
                       </a:r>
                       <a:endParaRPr lang="ko-KR" altLang="en-US" sz="1400" b="0" dirty="0" smtClean="0"/>
                     </a:p>
@@ -22980,11 +23007,7 @@
                       </a:r>
                       <a:r>
                         <a:rPr lang="en-US" altLang="ko-KR" sz="1400" b="1" dirty="0" smtClean="0"/>
-                        <a:t>(</a:t>
-                      </a:r>
-                      <a:r>
-                        <a:rPr lang="en-US" altLang="ko-KR" sz="1400" b="1" dirty="0" smtClean="0"/>
-                        <a:t>11/18)</a:t>
+                        <a:t>(11/18)</a:t>
                       </a:r>
                       <a:endParaRPr lang="ko-KR" altLang="en-US" sz="1400" b="1" dirty="0" smtClean="0"/>
                     </a:p>
@@ -23186,11 +23209,7 @@
                       </a:r>
                       <a:r>
                         <a:rPr lang="en-US" altLang="ko-KR" sz="1400" b="1" dirty="0" smtClean="0"/>
-                        <a:t>(</a:t>
-                      </a:r>
-                      <a:r>
-                        <a:rPr lang="en-US" altLang="ko-KR" sz="1400" b="1" dirty="0" smtClean="0"/>
-                        <a:t>12/02)</a:t>
+                        <a:t>(12/02)</a:t>
                       </a:r>
                       <a:endParaRPr lang="ko-KR" altLang="en-US" sz="1400" b="1" dirty="0" smtClean="0"/>
                     </a:p>
